--- a/Documents/PostersECE397.pptx
+++ b/Documents/PostersECE397.pptx
@@ -243,7 +243,7 @@
           <a:p>
             <a:fld id="{93C5FAA6-6B0C-2147-91F6-9C7E73B7F932}" type="datetimeFigureOut">
               <a:rPr lang="en-US" smtClean="0"/>
-              <a:t>11/16/17</a:t>
+              <a:t>11/19/17</a:t>
             </a:fld>
             <a:endParaRPr lang="en-US"/>
           </a:p>
@@ -468,7 +468,7 @@
           <a:p>
             <a:fld id="{93C5FAA6-6B0C-2147-91F6-9C7E73B7F932}" type="datetimeFigureOut">
               <a:rPr lang="en-US" smtClean="0"/>
-              <a:t>11/16/17</a:t>
+              <a:t>11/19/17</a:t>
             </a:fld>
             <a:endParaRPr lang="en-US"/>
           </a:p>
@@ -643,7 +643,7 @@
           <a:p>
             <a:fld id="{93C5FAA6-6B0C-2147-91F6-9C7E73B7F932}" type="datetimeFigureOut">
               <a:rPr lang="en-US" smtClean="0"/>
-              <a:t>11/16/17</a:t>
+              <a:t>11/19/17</a:t>
             </a:fld>
             <a:endParaRPr lang="en-US"/>
           </a:p>
@@ -808,7 +808,7 @@
           <a:p>
             <a:fld id="{93C5FAA6-6B0C-2147-91F6-9C7E73B7F932}" type="datetimeFigureOut">
               <a:rPr lang="en-US" smtClean="0"/>
-              <a:t>11/16/17</a:t>
+              <a:t>11/19/17</a:t>
             </a:fld>
             <a:endParaRPr lang="en-US"/>
           </a:p>
@@ -1047,7 +1047,7 @@
           <a:p>
             <a:fld id="{93C5FAA6-6B0C-2147-91F6-9C7E73B7F932}" type="datetimeFigureOut">
               <a:rPr lang="en-US" smtClean="0"/>
-              <a:t>11/16/17</a:t>
+              <a:t>11/19/17</a:t>
             </a:fld>
             <a:endParaRPr lang="en-US"/>
           </a:p>
@@ -1274,7 +1274,7 @@
           <a:p>
             <a:fld id="{93C5FAA6-6B0C-2147-91F6-9C7E73B7F932}" type="datetimeFigureOut">
               <a:rPr lang="en-US" smtClean="0"/>
-              <a:t>11/16/17</a:t>
+              <a:t>11/19/17</a:t>
             </a:fld>
             <a:endParaRPr lang="en-US"/>
           </a:p>
@@ -1636,7 +1636,7 @@
           <a:p>
             <a:fld id="{93C5FAA6-6B0C-2147-91F6-9C7E73B7F932}" type="datetimeFigureOut">
               <a:rPr lang="en-US" smtClean="0"/>
-              <a:t>11/16/17</a:t>
+              <a:t>11/19/17</a:t>
             </a:fld>
             <a:endParaRPr lang="en-US"/>
           </a:p>
@@ -1749,7 +1749,7 @@
           <a:p>
             <a:fld id="{93C5FAA6-6B0C-2147-91F6-9C7E73B7F932}" type="datetimeFigureOut">
               <a:rPr lang="en-US" smtClean="0"/>
-              <a:t>11/16/17</a:t>
+              <a:t>11/19/17</a:t>
             </a:fld>
             <a:endParaRPr lang="en-US"/>
           </a:p>
@@ -1839,7 +1839,7 @@
           <a:p>
             <a:fld id="{93C5FAA6-6B0C-2147-91F6-9C7E73B7F932}" type="datetimeFigureOut">
               <a:rPr lang="en-US" smtClean="0"/>
-              <a:t>11/16/17</a:t>
+              <a:t>11/19/17</a:t>
             </a:fld>
             <a:endParaRPr lang="en-US"/>
           </a:p>
@@ -2111,7 +2111,7 @@
           <a:p>
             <a:fld id="{93C5FAA6-6B0C-2147-91F6-9C7E73B7F932}" type="datetimeFigureOut">
               <a:rPr lang="en-US" smtClean="0"/>
-              <a:t>11/16/17</a:t>
+              <a:t>11/19/17</a:t>
             </a:fld>
             <a:endParaRPr lang="en-US"/>
           </a:p>
@@ -2363,7 +2363,7 @@
           <a:p>
             <a:fld id="{93C5FAA6-6B0C-2147-91F6-9C7E73B7F932}" type="datetimeFigureOut">
               <a:rPr lang="en-US" smtClean="0"/>
-              <a:t>11/16/17</a:t>
+              <a:t>11/19/17</a:t>
             </a:fld>
             <a:endParaRPr lang="en-US"/>
           </a:p>
@@ -2571,7 +2571,7 @@
           <a:p>
             <a:fld id="{93C5FAA6-6B0C-2147-91F6-9C7E73B7F932}" type="datetimeFigureOut">
               <a:rPr lang="en-US" smtClean="0"/>
-              <a:t>11/16/17</a:t>
+              <a:t>11/19/17</a:t>
             </a:fld>
             <a:endParaRPr lang="en-US"/>
           </a:p>
@@ -2999,15 +2999,47 @@
           <a:lstStyle/>
           <a:p>
             <a:r>
+              <a:rPr lang="en-US" sz="10000" dirty="0" err="1" smtClean="0"/>
+              <a:t>NeoSnap</a:t>
+            </a:r>
+            <a:r>
               <a:rPr lang="en-US" sz="10000" dirty="0" smtClean="0"/>
-              <a:t>Project Title</a:t>
+              <a:t/>
             </a:r>
             <a:br>
               <a:rPr lang="en-US" sz="10000" dirty="0" smtClean="0"/>
             </a:br>
             <a:r>
               <a:rPr lang="en-US" sz="5000" dirty="0" smtClean="0"/>
-              <a:t>Student Names, Advisor Name, Community Organization Name</a:t>
+              <a:t>Emmanuel Leon, Deep Shah, Hemant </a:t>
+            </a:r>
+            <a:r>
+              <a:rPr lang="en-US" sz="5000" dirty="0" err="1" smtClean="0"/>
+              <a:t>Rawat</a:t>
+            </a:r>
+            <a:r>
+              <a:rPr lang="en-US" sz="5000" dirty="0" smtClean="0"/>
+              <a:t>, Allen Chavez</a:t>
+            </a:r>
+            <a:r>
+              <a:rPr lang="en-US" sz="5000" dirty="0"/>
+              <a:t>/</a:t>
+            </a:r>
+            <a:r>
+              <a:rPr lang="en-US" sz="5000" dirty="0" smtClean="0"/>
+              <a:t>Professor Mitchell </a:t>
+            </a:r>
+            <a:r>
+              <a:rPr lang="en-US" sz="5000" dirty="0" err="1" smtClean="0"/>
+              <a:t>Theys</a:t>
+            </a:r>
+            <a:r>
+              <a:rPr lang="en-US" sz="5000" dirty="0" smtClean="0"/>
+              <a:t>/</a:t>
+            </a:r>
+            <a:r>
+              <a:rPr lang="en-US" sz="5000" dirty="0" smtClean="0"/>
+              <a:t>Enlace</a:t>
             </a:r>
             <a:endParaRPr lang="en-US" sz="10000" dirty="0"/>
           </a:p>
@@ -3136,14 +3168,55 @@
         </p:nvSpPr>
         <p:spPr>
           <a:xfrm>
-            <a:off x="10972800" y="4826000"/>
+            <a:off x="10972800" y="5032969"/>
             <a:ext cx="9113520" cy="890115"/>
           </a:xfrm>
           <a:prstGeom prst="rect">
             <a:avLst/>
           </a:prstGeom>
-          <a:noFill/>
+          <a:gradFill>
+            <a:gsLst>
+              <a:gs pos="0">
+                <a:srgbClr val="FF0000">
+                  <a:tint val="66000"/>
+                  <a:satMod val="160000"/>
+                </a:srgbClr>
+              </a:gs>
+              <a:gs pos="50000">
+                <a:srgbClr val="FF0000">
+                  <a:tint val="44500"/>
+                  <a:satMod val="160000"/>
+                </a:srgbClr>
+              </a:gs>
+              <a:gs pos="100000">
+                <a:srgbClr val="FF0000">
+                  <a:tint val="23500"/>
+                  <a:satMod val="160000"/>
+                </a:srgbClr>
+              </a:gs>
+            </a:gsLst>
+            <a:path path="circle">
+              <a:fillToRect l="50000" t="50000" r="50000" b="50000"/>
+            </a:path>
+          </a:gradFill>
+          <a:ln>
+            <a:noFill/>
+          </a:ln>
         </p:spPr>
+        <p:style>
+          <a:lnRef idx="2">
+            <a:schemeClr val="accent3"/>
+          </a:lnRef>
+          <a:fillRef idx="1">
+            <a:schemeClr val="lt1"/>
+          </a:fillRef>
+          <a:effectRef idx="0">
+            <a:schemeClr val="accent3"/>
+          </a:effectRef>
+          <a:fontRef idx="minor">
+            <a:schemeClr val="dk1"/>
+          </a:fontRef>
+        </p:style>
         <p:txBody>
           <a:bodyPr wrap="square" rtlCol="0">
             <a:spAutoFit/>
@@ -3198,7 +3271,7 @@
         </p:nvSpPr>
         <p:spPr>
           <a:xfrm>
-            <a:off x="21336000" y="4826000"/>
+            <a:off x="21336000" y="5032968"/>
             <a:ext cx="9113520" cy="890115"/>
           </a:xfrm>
           <a:prstGeom prst="rect">
@@ -3229,7 +3302,7 @@
         </p:nvSpPr>
         <p:spPr>
           <a:xfrm>
-            <a:off x="21336000" y="10007599"/>
+            <a:off x="21336000" y="10007598"/>
             <a:ext cx="9113520" cy="890115"/>
           </a:xfrm>
           <a:prstGeom prst="rect">
@@ -3261,7 +3334,7 @@
         <p:spPr>
           <a:xfrm>
             <a:off x="609600" y="5923085"/>
-            <a:ext cx="8186057" cy="4154984"/>
+            <a:ext cx="8186057" cy="3785652"/>
           </a:xfrm>
           <a:prstGeom prst="rect">
             <a:avLst/>
@@ -3300,17 +3373,121 @@
             </a:r>
             <a:r>
               <a:rPr lang="en-US" sz="2400" dirty="0" smtClean="0"/>
-              <a:t> will be an education tool that includes step-by-</a:t>
-            </a:r>
-            <a:r>
-              <a:rPr lang="en-US" sz="2400" dirty="0"/>
-              <a:t>s</a:t>
+              <a:t> will be an education tool </a:t>
             </a:r>
             <a:r>
               <a:rPr lang="en-US" sz="2400" dirty="0" smtClean="0"/>
-              <a:t>tep documentation to replicate the device by students interested in pursuing a STEM field. </a:t>
+              <a:t>for</a:t>
+            </a:r>
+            <a:r>
+              <a:rPr lang="en-US" sz="2400" dirty="0" smtClean="0"/>
+              <a:t> </a:t>
+            </a:r>
+            <a:r>
+              <a:rPr lang="en-US" sz="2400" dirty="0" smtClean="0"/>
+              <a:t>students interested in pursuing a STEM field. </a:t>
             </a:r>
             <a:endParaRPr lang="en-US" sz="2400" dirty="0"/>
+          </a:p>
+        </p:txBody>
+      </p:sp>
+      <p:sp>
+        <p:nvSpPr>
+          <p:cNvPr id="2" name="TextBox 1"/>
+          <p:cNvSpPr txBox="1"/>
+          <p:nvPr/>
+        </p:nvSpPr>
+        <p:spPr>
+          <a:xfrm>
+            <a:off x="10972800" y="5923083"/>
+            <a:ext cx="9113520" cy="4154984"/>
+          </a:xfrm>
+          <a:prstGeom prst="rect">
+            <a:avLst/>
+          </a:prstGeom>
+          <a:noFill/>
+        </p:spPr>
+        <p:txBody>
+          <a:bodyPr wrap="square" rtlCol="0">
+            <a:spAutoFit/>
+          </a:bodyPr>
+          <a:lstStyle/>
+          <a:p>
+            <a:pPr marL="457200" indent="-457200">
+              <a:buAutoNum type="arabicParenR"/>
+            </a:pPr>
+            <a:r>
+              <a:rPr lang="en-US" sz="2400" dirty="0" smtClean="0"/>
+              <a:t>Device should emulate a simplistic UI similar to other popular picture taking apps</a:t>
+            </a:r>
+          </a:p>
+          <a:p>
+            <a:pPr marL="457200" indent="-457200">
+              <a:buAutoNum type="arabicParenR"/>
+            </a:pPr>
+            <a:r>
+              <a:rPr lang="en-US" sz="2400" dirty="0" smtClean="0"/>
+              <a:t>Device should have internet capabilities</a:t>
+            </a:r>
+          </a:p>
+          <a:p>
+            <a:pPr marL="457200" indent="-457200">
+              <a:buAutoNum type="arabicParenR"/>
+            </a:pPr>
+            <a:r>
+              <a:rPr lang="en-US" sz="2400" dirty="0" smtClean="0"/>
+              <a:t>Device screen should be between 5-12” and no thicker than 3”</a:t>
+            </a:r>
+          </a:p>
+          <a:p>
+            <a:pPr marL="457200" indent="-457200">
+              <a:buAutoNum type="arabicParenR"/>
+            </a:pPr>
+            <a:r>
+              <a:rPr lang="en-US" sz="2400" dirty="0" smtClean="0"/>
+              <a:t>Device should have backup power in case it cannot be plugged in</a:t>
+            </a:r>
+          </a:p>
+          <a:p>
+            <a:pPr marL="457200" indent="-457200">
+              <a:buAutoNum type="arabicParenR"/>
+            </a:pPr>
+            <a:r>
+              <a:rPr lang="en-US" sz="2400" dirty="0" smtClean="0"/>
+              <a:t>Non-electrical components will be 3D printed for safer/environmentally friendly parts</a:t>
+            </a:r>
+          </a:p>
+          <a:p>
+            <a:pPr marL="457200" indent="-457200">
+              <a:buAutoNum type="arabicParenR"/>
+            </a:pPr>
+            <a:r>
+              <a:rPr lang="en-US" sz="2400" dirty="0" smtClean="0"/>
+              <a:t>Device should use a clear material to enclose internal components</a:t>
+            </a:r>
+          </a:p>
+          <a:p>
+            <a:pPr marL="457200" indent="-457200">
+              <a:buAutoNum type="arabicParenR"/>
+            </a:pPr>
+            <a:r>
+              <a:rPr lang="en-US" sz="2400" dirty="0" smtClean="0"/>
+              <a:t>Device code, support documentation, and parts list will be open-source on GitHub</a:t>
+            </a:r>
+          </a:p>
+          <a:p>
+            <a:pPr marL="457200" indent="-457200">
+              <a:buAutoNum type="arabicParenR"/>
+            </a:pPr>
+            <a:r>
+              <a:rPr lang="en-US" sz="2400" dirty="0" smtClean="0"/>
+              <a:t>Parts list of the device should be </a:t>
+            </a:r>
+            <a:r>
+              <a:rPr lang="en-US" sz="2400" smtClean="0"/>
+              <a:t>less than $300</a:t>
+            </a:r>
+            <a:endParaRPr lang="en-US" sz="2400"/>
           </a:p>
         </p:txBody>
       </p:sp>
